--- a/docs/DTranslate.pptx
+++ b/docs/DTranslate.pptx
@@ -247,7 +247,7 @@
           <a:p>
             <a:fld id="{E1BD177A-307D-4817-A1B7-9D1B13D14424}" type="datetimeFigureOut">
               <a:rPr lang="en-US" smtClean="0"/>
-              <a:t>11/21/2018</a:t>
+              <a:t>11/28/2018</a:t>
             </a:fld>
             <a:endParaRPr lang="en-US"/>
           </a:p>
@@ -424,7 +424,7 @@
           <a:p>
             <a:fld id="{C599EF31-6AEA-45D6-A346-68C25B1B42BF}" type="datetimeFigureOut">
               <a:rPr lang="en-US" smtClean="0"/>
-              <a:t>11/21/2018</a:t>
+              <a:t>11/27/2018</a:t>
             </a:fld>
             <a:endParaRPr lang="en-US"/>
           </a:p>
@@ -819,10 +819,7 @@
           <a:bodyPr/>
           <a:lstStyle/>
           <a:p>
-            <a:r>
-              <a:rPr lang="en-US" dirty="0"/>
-              <a:t>Demo this and then have them do it.</a:t>
-            </a:r>
+            <a:endParaRPr lang="en-US" dirty="0"/>
           </a:p>
         </p:txBody>
       </p:sp>
@@ -906,10 +903,7 @@
           <a:bodyPr/>
           <a:lstStyle/>
           <a:p>
-            <a:r>
-              <a:rPr lang="en-US" dirty="0"/>
-              <a:t>Demo this and then have them do it.</a:t>
-            </a:r>
+            <a:endParaRPr lang="en-US" dirty="0"/>
           </a:p>
         </p:txBody>
       </p:sp>
@@ -993,10 +987,7 @@
           <a:bodyPr/>
           <a:lstStyle/>
           <a:p>
-            <a:r>
-              <a:rPr lang="en-US" dirty="0"/>
-              <a:t>Demo this and then have them do it.</a:t>
-            </a:r>
+            <a:endParaRPr lang="en-US" dirty="0"/>
           </a:p>
         </p:txBody>
       </p:sp>
@@ -1080,10 +1071,7 @@
           <a:bodyPr/>
           <a:lstStyle/>
           <a:p>
-            <a:r>
-              <a:rPr lang="en-US" dirty="0"/>
-              <a:t>Demo this and then have them do it.</a:t>
-            </a:r>
+            <a:endParaRPr lang="en-US" dirty="0"/>
           </a:p>
         </p:txBody>
       </p:sp>
@@ -1167,10 +1155,7 @@
           <a:bodyPr/>
           <a:lstStyle/>
           <a:p>
-            <a:r>
-              <a:rPr lang="en-US" dirty="0"/>
-              <a:t>Demo this and then have them do it.</a:t>
-            </a:r>
+            <a:endParaRPr lang="en-US" dirty="0"/>
           </a:p>
         </p:txBody>
       </p:sp>
@@ -1254,10 +1239,7 @@
           <a:bodyPr/>
           <a:lstStyle/>
           <a:p>
-            <a:r>
-              <a:rPr lang="en-US" dirty="0"/>
-              <a:t>Demo this and then have them do it.</a:t>
-            </a:r>
+            <a:endParaRPr lang="en-US" dirty="0"/>
           </a:p>
         </p:txBody>
       </p:sp>
@@ -1341,10 +1323,7 @@
           <a:bodyPr/>
           <a:lstStyle/>
           <a:p>
-            <a:r>
-              <a:rPr lang="en-US" dirty="0"/>
-              <a:t>Demo this and then have them do it.</a:t>
-            </a:r>
+            <a:endParaRPr lang="en-US" dirty="0"/>
           </a:p>
         </p:txBody>
       </p:sp>
@@ -1599,10 +1578,7 @@
           <a:bodyPr/>
           <a:lstStyle/>
           <a:p>
-            <a:r>
-              <a:rPr lang="en-US" dirty="0"/>
-              <a:t>Demo this and then have them do it.</a:t>
-            </a:r>
+            <a:endParaRPr lang="en-US" dirty="0"/>
           </a:p>
         </p:txBody>
       </p:sp>
@@ -1686,10 +1662,7 @@
           <a:bodyPr/>
           <a:lstStyle/>
           <a:p>
-            <a:r>
-              <a:rPr lang="en-US" dirty="0"/>
-              <a:t>Demo this and then have them do it.</a:t>
-            </a:r>
+            <a:endParaRPr lang="en-US" dirty="0"/>
           </a:p>
         </p:txBody>
       </p:sp>
@@ -1773,10 +1746,7 @@
           <a:bodyPr/>
           <a:lstStyle/>
           <a:p>
-            <a:r>
-              <a:rPr lang="en-US" dirty="0"/>
-              <a:t>Demo this and then have them do it.</a:t>
-            </a:r>
+            <a:endParaRPr lang="en-US" dirty="0"/>
           </a:p>
         </p:txBody>
       </p:sp>
@@ -1860,10 +1830,7 @@
           <a:bodyPr/>
           <a:lstStyle/>
           <a:p>
-            <a:r>
-              <a:rPr lang="en-US" dirty="0"/>
-              <a:t>Demo this and then have them do it.</a:t>
-            </a:r>
+            <a:endParaRPr lang="en-US" dirty="0"/>
           </a:p>
         </p:txBody>
       </p:sp>
@@ -1947,10 +1914,7 @@
           <a:bodyPr/>
           <a:lstStyle/>
           <a:p>
-            <a:r>
-              <a:rPr lang="en-US" dirty="0"/>
-              <a:t>Demo this and then have them do it.</a:t>
-            </a:r>
+            <a:endParaRPr lang="en-US" dirty="0"/>
           </a:p>
         </p:txBody>
       </p:sp>
@@ -2034,10 +1998,7 @@
           <a:bodyPr/>
           <a:lstStyle/>
           <a:p>
-            <a:r>
-              <a:rPr lang="en-US" dirty="0"/>
-              <a:t>Demo this and then have them do it.</a:t>
-            </a:r>
+            <a:endParaRPr lang="en-US" dirty="0"/>
           </a:p>
         </p:txBody>
       </p:sp>
@@ -2121,10 +2082,7 @@
           <a:bodyPr/>
           <a:lstStyle/>
           <a:p>
-            <a:r>
-              <a:rPr lang="en-US" dirty="0"/>
-              <a:t>Demo this and then have them do it.</a:t>
-            </a:r>
+            <a:endParaRPr lang="en-US" dirty="0"/>
           </a:p>
         </p:txBody>
       </p:sp>
@@ -2666,7 +2624,7 @@
           <a:p>
             <a:fld id="{5071B87F-141C-4871-A01A-50F139738E5B}" type="datetimeFigureOut">
               <a:rPr lang="en-US" smtClean="0"/>
-              <a:t>11/21/2018</a:t>
+              <a:t>11/27/2018</a:t>
             </a:fld>
             <a:endParaRPr lang="en-US"/>
           </a:p>
@@ -2962,7 +2920,7 @@
           <a:p>
             <a:fld id="{5071B87F-141C-4871-A01A-50F139738E5B}" type="datetimeFigureOut">
               <a:rPr lang="en-US" smtClean="0"/>
-              <a:t>11/21/2018</a:t>
+              <a:t>11/27/2018</a:t>
             </a:fld>
             <a:endParaRPr lang="en-US"/>
           </a:p>
@@ -3210,7 +3168,7 @@
           <a:p>
             <a:fld id="{5071B87F-141C-4871-A01A-50F139738E5B}" type="datetimeFigureOut">
               <a:rPr lang="en-US" smtClean="0"/>
-              <a:t>11/21/2018</a:t>
+              <a:t>11/27/2018</a:t>
             </a:fld>
             <a:endParaRPr lang="en-US"/>
           </a:p>
@@ -3750,7 +3708,7 @@
           <a:p>
             <a:fld id="{5071B87F-141C-4871-A01A-50F139738E5B}" type="datetimeFigureOut">
               <a:rPr lang="en-US" smtClean="0"/>
-              <a:t>11/21/2018</a:t>
+              <a:t>11/27/2018</a:t>
             </a:fld>
             <a:endParaRPr lang="en-US"/>
           </a:p>
@@ -3998,7 +3956,7 @@
           <a:p>
             <a:fld id="{5071B87F-141C-4871-A01A-50F139738E5B}" type="datetimeFigureOut">
               <a:rPr lang="en-US" smtClean="0"/>
-              <a:t>11/21/2018</a:t>
+              <a:t>11/27/2018</a:t>
             </a:fld>
             <a:endParaRPr lang="en-US"/>
           </a:p>
@@ -4530,7 +4488,7 @@
           <a:p>
             <a:fld id="{5071B87F-141C-4871-A01A-50F139738E5B}" type="datetimeFigureOut">
               <a:rPr lang="en-US" smtClean="0"/>
-              <a:t>11/21/2018</a:t>
+              <a:t>11/27/2018</a:t>
             </a:fld>
             <a:endParaRPr lang="en-US"/>
           </a:p>
@@ -4827,7 +4785,7 @@
           <a:p>
             <a:fld id="{5071B87F-141C-4871-A01A-50F139738E5B}" type="datetimeFigureOut">
               <a:rPr lang="en-US" smtClean="0"/>
-              <a:t>11/21/2018</a:t>
+              <a:t>11/27/2018</a:t>
             </a:fld>
             <a:endParaRPr lang="en-US"/>
           </a:p>
@@ -5001,7 +4959,7 @@
           <a:p>
             <a:fld id="{5071B87F-141C-4871-A01A-50F139738E5B}" type="datetimeFigureOut">
               <a:rPr lang="en-US" smtClean="0"/>
-              <a:t>11/21/2018</a:t>
+              <a:t>11/27/2018</a:t>
             </a:fld>
             <a:endParaRPr lang="en-US"/>
           </a:p>
@@ -5181,7 +5139,7 @@
           <a:p>
             <a:fld id="{5071B87F-141C-4871-A01A-50F139738E5B}" type="datetimeFigureOut">
               <a:rPr lang="en-US" smtClean="0"/>
-              <a:t>11/21/2018</a:t>
+              <a:t>11/27/2018</a:t>
             </a:fld>
             <a:endParaRPr lang="en-US"/>
           </a:p>
@@ -5363,7 +5321,7 @@
           <a:p>
             <a:fld id="{5071B87F-141C-4871-A01A-50F139738E5B}" type="datetimeFigureOut">
               <a:rPr lang="en-US" smtClean="0"/>
-              <a:t>11/21/2018</a:t>
+              <a:t>11/27/2018</a:t>
             </a:fld>
             <a:endParaRPr lang="en-US"/>
           </a:p>
@@ -5614,7 +5572,7 @@
           <a:p>
             <a:fld id="{5071B87F-141C-4871-A01A-50F139738E5B}" type="datetimeFigureOut">
               <a:rPr lang="en-US" smtClean="0"/>
-              <a:t>11/21/2018</a:t>
+              <a:t>11/27/2018</a:t>
             </a:fld>
             <a:endParaRPr lang="en-US"/>
           </a:p>
@@ -5911,7 +5869,7 @@
           <a:p>
             <a:fld id="{5071B87F-141C-4871-A01A-50F139738E5B}" type="datetimeFigureOut">
               <a:rPr lang="en-US" smtClean="0"/>
-              <a:t>11/21/2018</a:t>
+              <a:t>11/27/2018</a:t>
             </a:fld>
             <a:endParaRPr lang="en-US"/>
           </a:p>
@@ -6353,7 +6311,7 @@
           <a:p>
             <a:fld id="{5071B87F-141C-4871-A01A-50F139738E5B}" type="datetimeFigureOut">
               <a:rPr lang="en-US" smtClean="0"/>
-              <a:t>11/21/2018</a:t>
+              <a:t>11/27/2018</a:t>
             </a:fld>
             <a:endParaRPr lang="en-US"/>
           </a:p>
@@ -6471,7 +6429,7 @@
           <a:p>
             <a:fld id="{5071B87F-141C-4871-A01A-50F139738E5B}" type="datetimeFigureOut">
               <a:rPr lang="en-US" smtClean="0"/>
-              <a:t>11/21/2018</a:t>
+              <a:t>11/27/2018</a:t>
             </a:fld>
             <a:endParaRPr lang="en-US"/>
           </a:p>
@@ -6566,7 +6524,7 @@
           <a:p>
             <a:fld id="{5071B87F-141C-4871-A01A-50F139738E5B}" type="datetimeFigureOut">
               <a:rPr lang="en-US" smtClean="0"/>
-              <a:t>11/21/2018</a:t>
+              <a:t>11/27/2018</a:t>
             </a:fld>
             <a:endParaRPr lang="en-US"/>
           </a:p>
@@ -6849,7 +6807,7 @@
           <a:p>
             <a:fld id="{5071B87F-141C-4871-A01A-50F139738E5B}" type="datetimeFigureOut">
               <a:rPr lang="en-US" smtClean="0"/>
-              <a:t>11/21/2018</a:t>
+              <a:t>11/27/2018</a:t>
             </a:fld>
             <a:endParaRPr lang="en-US"/>
           </a:p>
@@ -7140,7 +7098,7 @@
           <a:p>
             <a:fld id="{5071B87F-141C-4871-A01A-50F139738E5B}" type="datetimeFigureOut">
               <a:rPr lang="en-US" smtClean="0"/>
-              <a:t>11/21/2018</a:t>
+              <a:t>11/27/2018</a:t>
             </a:fld>
             <a:endParaRPr lang="en-US"/>
           </a:p>
@@ -7670,7 +7628,7 @@
           <a:p>
             <a:fld id="{5071B87F-141C-4871-A01A-50F139738E5B}" type="datetimeFigureOut">
               <a:rPr lang="en-US" smtClean="0"/>
-              <a:t>11/21/2018</a:t>
+              <a:t>11/27/2018</a:t>
             </a:fld>
             <a:endParaRPr lang="en-US"/>
           </a:p>
